--- a/Figs/Fig S5.pptx
+++ b/Figs/Fig S5.pptx
@@ -8,7 +8,7 @@
     <p:notesMasterId r:id="rId3"/>
   </p:notesMasterIdLst>
   <p:sldIdLst>
-    <p:sldId id="257" r:id="rId2"/>
+    <p:sldId id="256" r:id="rId2"/>
   </p:sldIdLst>
   <p:sldSz cx="12192000" cy="6480175"/>
   <p:notesSz cx="6858000" cy="9144000"/>
@@ -107,11 +107,6 @@
       </a:defRPr>
     </a:lvl9pPr>
   </p:defaultTextStyle>
-  <p:extLst>
-    <p:ext uri="{EFAFB233-063F-42B5-8137-9DF3F51BA10A}">
-      <p15:sldGuideLst xmlns:p15="http://schemas.microsoft.com/office/powerpoint/2012/main"/>
-    </p:ext>
-  </p:extLst>
 </p:presentation>
 </file>
 
@@ -197,7 +192,7 @@
           <a:p>
             <a:fld id="{5B90AFD6-D414-914E-91D9-BE399BF7E284}" type="datetimeFigureOut">
               <a:rPr lang="en-GB" smtClean="0"/>
-              <a:t>16/11/2022</a:t>
+              <a:t>15/11/2022</a:t>
             </a:fld>
             <a:endParaRPr lang="en-GB"/>
           </a:p>
@@ -543,7 +538,7 @@
     </p:spTree>
     <p:extLst>
       <p:ext uri="{BB962C8B-B14F-4D97-AF65-F5344CB8AC3E}">
-        <p14:creationId xmlns:p14="http://schemas.microsoft.com/office/powerpoint/2010/main" val="3631810786"/>
+        <p14:creationId xmlns:p14="http://schemas.microsoft.com/office/powerpoint/2010/main" val="764733747"/>
       </p:ext>
     </p:extLst>
   </p:cSld>
@@ -684,7 +679,7 @@
           <a:p>
             <a:fld id="{D6E15244-DF10-C54C-80B4-2BA48BDAEEC4}" type="datetimeFigureOut">
               <a:rPr lang="en-GB" smtClean="0"/>
-              <a:t>16/11/2022</a:t>
+              <a:t>15/11/2022</a:t>
             </a:fld>
             <a:endParaRPr lang="en-GB"/>
           </a:p>
@@ -854,7 +849,7 @@
           <a:p>
             <a:fld id="{D6E15244-DF10-C54C-80B4-2BA48BDAEEC4}" type="datetimeFigureOut">
               <a:rPr lang="en-GB" smtClean="0"/>
-              <a:t>16/11/2022</a:t>
+              <a:t>15/11/2022</a:t>
             </a:fld>
             <a:endParaRPr lang="en-GB"/>
           </a:p>
@@ -1034,7 +1029,7 @@
           <a:p>
             <a:fld id="{D6E15244-DF10-C54C-80B4-2BA48BDAEEC4}" type="datetimeFigureOut">
               <a:rPr lang="en-GB" smtClean="0"/>
-              <a:t>16/11/2022</a:t>
+              <a:t>15/11/2022</a:t>
             </a:fld>
             <a:endParaRPr lang="en-GB"/>
           </a:p>
@@ -1204,7 +1199,7 @@
           <a:p>
             <a:fld id="{D6E15244-DF10-C54C-80B4-2BA48BDAEEC4}" type="datetimeFigureOut">
               <a:rPr lang="en-GB" smtClean="0"/>
-              <a:t>16/11/2022</a:t>
+              <a:t>15/11/2022</a:t>
             </a:fld>
             <a:endParaRPr lang="en-GB"/>
           </a:p>
@@ -1450,7 +1445,7 @@
           <a:p>
             <a:fld id="{D6E15244-DF10-C54C-80B4-2BA48BDAEEC4}" type="datetimeFigureOut">
               <a:rPr lang="en-GB" smtClean="0"/>
-              <a:t>16/11/2022</a:t>
+              <a:t>15/11/2022</a:t>
             </a:fld>
             <a:endParaRPr lang="en-GB"/>
           </a:p>
@@ -1682,7 +1677,7 @@
           <a:p>
             <a:fld id="{D6E15244-DF10-C54C-80B4-2BA48BDAEEC4}" type="datetimeFigureOut">
               <a:rPr lang="en-GB" smtClean="0"/>
-              <a:t>16/11/2022</a:t>
+              <a:t>15/11/2022</a:t>
             </a:fld>
             <a:endParaRPr lang="en-GB"/>
           </a:p>
@@ -2049,7 +2044,7 @@
           <a:p>
             <a:fld id="{D6E15244-DF10-C54C-80B4-2BA48BDAEEC4}" type="datetimeFigureOut">
               <a:rPr lang="en-GB" smtClean="0"/>
-              <a:t>16/11/2022</a:t>
+              <a:t>15/11/2022</a:t>
             </a:fld>
             <a:endParaRPr lang="en-GB"/>
           </a:p>
@@ -2167,7 +2162,7 @@
           <a:p>
             <a:fld id="{D6E15244-DF10-C54C-80B4-2BA48BDAEEC4}" type="datetimeFigureOut">
               <a:rPr lang="en-GB" smtClean="0"/>
-              <a:t>16/11/2022</a:t>
+              <a:t>15/11/2022</a:t>
             </a:fld>
             <a:endParaRPr lang="en-GB"/>
           </a:p>
@@ -2262,7 +2257,7 @@
           <a:p>
             <a:fld id="{D6E15244-DF10-C54C-80B4-2BA48BDAEEC4}" type="datetimeFigureOut">
               <a:rPr lang="en-GB" smtClean="0"/>
-              <a:t>16/11/2022</a:t>
+              <a:t>15/11/2022</a:t>
             </a:fld>
             <a:endParaRPr lang="en-GB"/>
           </a:p>
@@ -2539,7 +2534,7 @@
           <a:p>
             <a:fld id="{D6E15244-DF10-C54C-80B4-2BA48BDAEEC4}" type="datetimeFigureOut">
               <a:rPr lang="en-GB" smtClean="0"/>
-              <a:t>16/11/2022</a:t>
+              <a:t>15/11/2022</a:t>
             </a:fld>
             <a:endParaRPr lang="en-GB"/>
           </a:p>
@@ -2796,7 +2791,7 @@
           <a:p>
             <a:fld id="{D6E15244-DF10-C54C-80B4-2BA48BDAEEC4}" type="datetimeFigureOut">
               <a:rPr lang="en-GB" smtClean="0"/>
-              <a:t>16/11/2022</a:t>
+              <a:t>15/11/2022</a:t>
             </a:fld>
             <a:endParaRPr lang="en-GB"/>
           </a:p>
@@ -3009,7 +3004,7 @@
           <a:p>
             <a:fld id="{D6E15244-DF10-C54C-80B4-2BA48BDAEEC4}" type="datetimeFigureOut">
               <a:rPr lang="en-GB" smtClean="0"/>
-              <a:t>16/11/2022</a:t>
+              <a:t>15/11/2022</a:t>
             </a:fld>
             <a:endParaRPr lang="en-GB"/>
           </a:p>
@@ -3416,10 +3411,10 @@
       </p:grpSpPr>
       <p:pic>
         <p:nvPicPr>
-          <p:cNvPr id="36" name="Picture 35">
+          <p:cNvPr id="5" name="Picture 4">
             <a:extLst>
               <a:ext uri="{FF2B5EF4-FFF2-40B4-BE49-F238E27FC236}">
-                <a16:creationId xmlns:a16="http://schemas.microsoft.com/office/drawing/2014/main" id="{0408BA4B-2F6B-3A1E-AAC1-208E82CAE0FF}"/>
+                <a16:creationId xmlns:a16="http://schemas.microsoft.com/office/drawing/2014/main" id="{457959F5-2C2A-C06B-A4E3-02243063ACB5}"/>
               </a:ext>
             </a:extLst>
           </p:cNvPr>
@@ -3430,13 +3425,13 @@
         </p:nvPicPr>
         <p:blipFill rotWithShape="1">
           <a:blip r:embed="rId3"/>
-          <a:srcRect b="56863"/>
+          <a:srcRect b="57069"/>
           <a:stretch/>
         </p:blipFill>
         <p:spPr>
           <a:xfrm>
-            <a:off x="0" y="99391"/>
-            <a:ext cx="12165498" cy="2623930"/>
+            <a:off x="0" y="80853"/>
+            <a:ext cx="12192000" cy="2617075"/>
           </a:xfrm>
           <a:prstGeom prst="rect">
             <a:avLst/>
@@ -3445,10 +3440,10 @@
       </p:pic>
       <p:pic>
         <p:nvPicPr>
-          <p:cNvPr id="37" name="Picture 36">
+          <p:cNvPr id="6" name="Picture 5">
             <a:extLst>
               <a:ext uri="{FF2B5EF4-FFF2-40B4-BE49-F238E27FC236}">
-                <a16:creationId xmlns:a16="http://schemas.microsoft.com/office/drawing/2014/main" id="{CAA113B5-9BDA-C947-BFD6-22DD9F20562F}"/>
+                <a16:creationId xmlns:a16="http://schemas.microsoft.com/office/drawing/2014/main" id="{D1218E91-03FA-B206-29CA-6ADEEA332D13}"/>
               </a:ext>
             </a:extLst>
           </p:cNvPr>
@@ -3459,13 +3454,13 @@
         </p:nvPicPr>
         <p:blipFill rotWithShape="1">
           <a:blip r:embed="rId4"/>
-          <a:srcRect t="50000" b="8497"/>
+          <a:srcRect t="48578" b="8491"/>
           <a:stretch/>
         </p:blipFill>
         <p:spPr>
           <a:xfrm>
-            <a:off x="0" y="3240087"/>
-            <a:ext cx="12165498" cy="2524539"/>
+            <a:off x="0" y="3128855"/>
+            <a:ext cx="12192000" cy="2617075"/>
           </a:xfrm>
           <a:prstGeom prst="rect">
             <a:avLst/>
@@ -3474,10 +3469,10 @@
       </p:pic>
       <p:sp>
         <p:nvSpPr>
-          <p:cNvPr id="38" name="TextBox 37">
+          <p:cNvPr id="7" name="TextBox 6">
             <a:extLst>
               <a:ext uri="{FF2B5EF4-FFF2-40B4-BE49-F238E27FC236}">
-                <a16:creationId xmlns:a16="http://schemas.microsoft.com/office/drawing/2014/main" id="{2F186A0F-2691-7F39-3D2B-E81C13A48157}"/>
+                <a16:creationId xmlns:a16="http://schemas.microsoft.com/office/drawing/2014/main" id="{C5744AF8-0923-D86B-6468-06C27DACC4C5}"/>
               </a:ext>
             </a:extLst>
           </p:cNvPr>
@@ -3486,7 +3481,7 @@
         </p:nvSpPr>
         <p:spPr>
           <a:xfrm rot="19357041">
-            <a:off x="637409" y="5827014"/>
+            <a:off x="597653" y="5827014"/>
             <a:ext cx="670376" cy="276999"/>
           </a:xfrm>
           <a:prstGeom prst="rect">
@@ -3512,10 +3507,10 @@
       </p:sp>
       <p:sp>
         <p:nvSpPr>
-          <p:cNvPr id="39" name="TextBox 38">
+          <p:cNvPr id="8" name="TextBox 7">
             <a:extLst>
               <a:ext uri="{FF2B5EF4-FFF2-40B4-BE49-F238E27FC236}">
-                <a16:creationId xmlns:a16="http://schemas.microsoft.com/office/drawing/2014/main" id="{608C694D-9FCA-ED1C-BE8A-17AC43CE8A69}"/>
+                <a16:creationId xmlns:a16="http://schemas.microsoft.com/office/drawing/2014/main" id="{093361B2-FEA8-7942-DE06-8430C7B8BED6}"/>
               </a:ext>
             </a:extLst>
           </p:cNvPr>
@@ -3524,7 +3519,7 @@
         </p:nvSpPr>
         <p:spPr>
           <a:xfrm rot="19357041">
-            <a:off x="2220360" y="5827015"/>
+            <a:off x="2200482" y="5827015"/>
             <a:ext cx="670376" cy="276999"/>
           </a:xfrm>
           <a:prstGeom prst="rect">
@@ -3550,10 +3545,10 @@
       </p:sp>
       <p:sp>
         <p:nvSpPr>
-          <p:cNvPr id="40" name="TextBox 39">
+          <p:cNvPr id="9" name="TextBox 8">
             <a:extLst>
               <a:ext uri="{FF2B5EF4-FFF2-40B4-BE49-F238E27FC236}">
-                <a16:creationId xmlns:a16="http://schemas.microsoft.com/office/drawing/2014/main" id="{D0549049-BBAC-43E0-76A9-5BCA6FA05F57}"/>
+                <a16:creationId xmlns:a16="http://schemas.microsoft.com/office/drawing/2014/main" id="{A50C9B34-52F8-05FB-F54E-049A649B37FD}"/>
               </a:ext>
             </a:extLst>
           </p:cNvPr>
@@ -3562,7 +3557,7 @@
         </p:nvSpPr>
         <p:spPr>
           <a:xfrm rot="19357041">
-            <a:off x="4080956" y="5817281"/>
+            <a:off x="4061078" y="5817281"/>
             <a:ext cx="638316" cy="276999"/>
           </a:xfrm>
           <a:prstGeom prst="rect">
@@ -3588,10 +3583,10 @@
       </p:sp>
       <p:sp>
         <p:nvSpPr>
-          <p:cNvPr id="41" name="TextBox 40">
+          <p:cNvPr id="10" name="TextBox 9">
             <a:extLst>
               <a:ext uri="{FF2B5EF4-FFF2-40B4-BE49-F238E27FC236}">
-                <a16:creationId xmlns:a16="http://schemas.microsoft.com/office/drawing/2014/main" id="{D9D8FB72-2379-C5AE-43FB-48C6DC16977D}"/>
+                <a16:creationId xmlns:a16="http://schemas.microsoft.com/office/drawing/2014/main" id="{5ED38FAA-3FFE-0FCA-EBE8-B0B1DA035354}"/>
               </a:ext>
             </a:extLst>
           </p:cNvPr>
@@ -3626,10 +3621,10 @@
       </p:sp>
       <p:sp>
         <p:nvSpPr>
-          <p:cNvPr id="42" name="TextBox 41">
+          <p:cNvPr id="11" name="TextBox 10">
             <a:extLst>
               <a:ext uri="{FF2B5EF4-FFF2-40B4-BE49-F238E27FC236}">
-                <a16:creationId xmlns:a16="http://schemas.microsoft.com/office/drawing/2014/main" id="{1D16B44E-55C0-A296-69A1-292A023BF9DD}"/>
+                <a16:creationId xmlns:a16="http://schemas.microsoft.com/office/drawing/2014/main" id="{DBC703E8-76CE-F002-85D4-33F99344549C}"/>
               </a:ext>
             </a:extLst>
           </p:cNvPr>
@@ -3664,10 +3659,10 @@
       </p:sp>
       <p:sp>
         <p:nvSpPr>
-          <p:cNvPr id="43" name="TextBox 42">
+          <p:cNvPr id="12" name="TextBox 11">
             <a:extLst>
               <a:ext uri="{FF2B5EF4-FFF2-40B4-BE49-F238E27FC236}">
-                <a16:creationId xmlns:a16="http://schemas.microsoft.com/office/drawing/2014/main" id="{3CB83426-3695-61DD-D751-B261DA74F975}"/>
+                <a16:creationId xmlns:a16="http://schemas.microsoft.com/office/drawing/2014/main" id="{1A624E57-D188-BB70-F395-4FD99FBE2AEF}"/>
               </a:ext>
             </a:extLst>
           </p:cNvPr>
@@ -3703,10 +3698,10 @@
       </p:sp>
       <p:sp>
         <p:nvSpPr>
-          <p:cNvPr id="44" name="TextBox 43">
+          <p:cNvPr id="13" name="TextBox 12">
             <a:extLst>
               <a:ext uri="{FF2B5EF4-FFF2-40B4-BE49-F238E27FC236}">
-                <a16:creationId xmlns:a16="http://schemas.microsoft.com/office/drawing/2014/main" id="{1723BD7A-D213-660E-C343-D284E4A003BD}"/>
+                <a16:creationId xmlns:a16="http://schemas.microsoft.com/office/drawing/2014/main" id="{AAC9A2F2-4F40-A12A-D420-AECD028F66A9}"/>
               </a:ext>
             </a:extLst>
           </p:cNvPr>
@@ -3714,124 +3709,9 @@
           <p:nvPr/>
         </p:nvSpPr>
         <p:spPr>
-          <a:xfrm>
-            <a:off x="9761082" y="5730166"/>
-            <a:ext cx="620683" cy="276999"/>
-          </a:xfrm>
-          <a:prstGeom prst="rect">
-            <a:avLst/>
-          </a:prstGeom>
-          <a:noFill/>
-        </p:spPr>
-        <p:txBody>
-          <a:bodyPr wrap="none" rtlCol="0">
-            <a:spAutoFit/>
-          </a:bodyPr>
-          <a:lstStyle/>
-          <a:p>
-            <a:r>
-              <a:rPr lang="en-GB" sz="1200" dirty="0">
-                <a:latin typeface="Arial" panose="020B0604020202020204" pitchFamily="34" charset="0"/>
-                <a:cs typeface="Arial" panose="020B0604020202020204" pitchFamily="34" charset="0"/>
-              </a:rPr>
-              <a:t>Forest</a:t>
-            </a:r>
-          </a:p>
-        </p:txBody>
-      </p:sp>
-      <p:sp>
-        <p:nvSpPr>
-          <p:cNvPr id="45" name="TextBox 44">
-            <a:extLst>
-              <a:ext uri="{FF2B5EF4-FFF2-40B4-BE49-F238E27FC236}">
-                <a16:creationId xmlns:a16="http://schemas.microsoft.com/office/drawing/2014/main" id="{C75B418D-342D-E648-841E-DDDC4FD310A6}"/>
-              </a:ext>
-            </a:extLst>
-          </p:cNvPr>
-          <p:cNvSpPr txBox="1"/>
-          <p:nvPr/>
-        </p:nvSpPr>
-        <p:spPr>
-          <a:xfrm>
-            <a:off x="10829066" y="5730166"/>
-            <a:ext cx="915635" cy="276999"/>
-          </a:xfrm>
-          <a:prstGeom prst="rect">
-            <a:avLst/>
-          </a:prstGeom>
-          <a:noFill/>
-        </p:spPr>
-        <p:txBody>
-          <a:bodyPr wrap="none" rtlCol="0">
-            <a:spAutoFit/>
-          </a:bodyPr>
-          <a:lstStyle/>
-          <a:p>
-            <a:r>
-              <a:rPr lang="en-GB" sz="1200" dirty="0">
-                <a:latin typeface="Arial" panose="020B0604020202020204" pitchFamily="34" charset="0"/>
-                <a:cs typeface="Arial" panose="020B0604020202020204" pitchFamily="34" charset="0"/>
-              </a:rPr>
-              <a:t>Developed</a:t>
-            </a:r>
-          </a:p>
-        </p:txBody>
-      </p:sp>
-      <p:sp>
-        <p:nvSpPr>
-          <p:cNvPr id="46" name="TextBox 45">
-            <a:extLst>
-              <a:ext uri="{FF2B5EF4-FFF2-40B4-BE49-F238E27FC236}">
-                <a16:creationId xmlns:a16="http://schemas.microsoft.com/office/drawing/2014/main" id="{75A07841-7540-EEFF-D048-6A65C754272D}"/>
-              </a:ext>
-            </a:extLst>
-          </p:cNvPr>
-          <p:cNvSpPr txBox="1"/>
-          <p:nvPr/>
-        </p:nvSpPr>
-        <p:spPr>
-          <a:xfrm>
-            <a:off x="9312168" y="6050471"/>
-            <a:ext cx="2722179" cy="307777"/>
-          </a:xfrm>
-          <a:prstGeom prst="rect">
-            <a:avLst/>
-          </a:prstGeom>
-          <a:noFill/>
-        </p:spPr>
-        <p:txBody>
-          <a:bodyPr wrap="square" rtlCol="0">
-            <a:spAutoFit/>
-          </a:bodyPr>
-          <a:lstStyle/>
-          <a:p>
-            <a:pPr algn="ctr"/>
-            <a:r>
-              <a:rPr lang="en-GB" sz="1400" b="1" dirty="0">
-                <a:latin typeface="Arial" panose="020B0604020202020204" pitchFamily="34" charset="0"/>
-                <a:cs typeface="Arial" panose="020B0604020202020204" pitchFamily="34" charset="0"/>
-              </a:rPr>
-              <a:t>Land use </a:t>
-            </a:r>
-          </a:p>
-        </p:txBody>
-      </p:sp>
-      <p:sp>
-        <p:nvSpPr>
-          <p:cNvPr id="47" name="TextBox 46">
-            <a:extLst>
-              <a:ext uri="{FF2B5EF4-FFF2-40B4-BE49-F238E27FC236}">
-                <a16:creationId xmlns:a16="http://schemas.microsoft.com/office/drawing/2014/main" id="{D331D623-ACC2-F1D1-AADA-976F02D67835}"/>
-              </a:ext>
-            </a:extLst>
-          </p:cNvPr>
-          <p:cNvSpPr txBox="1"/>
-          <p:nvPr/>
-        </p:nvSpPr>
-        <p:spPr>
           <a:xfrm rot="16200000">
-            <a:off x="-1089463" y="4308731"/>
-            <a:ext cx="2566623" cy="307777"/>
+            <a:off x="-1051627" y="4346566"/>
+            <a:ext cx="2490952" cy="307777"/>
           </a:xfrm>
           <a:prstGeom prst="rect">
             <a:avLst/>
@@ -3852,35 +3732,17 @@
                 <a:latin typeface="Arial" panose="020B0604020202020204" pitchFamily="34" charset="0"/>
                 <a:cs typeface="Arial" panose="020B0604020202020204" pitchFamily="34" charset="0"/>
               </a:rPr>
-              <a:t>Spatial variability of </a:t>
-            </a:r>
-            <a:r>
-              <a:rPr lang="en-GB" sz="1400" b="1" dirty="0" err="1">
-                <a:latin typeface="Arial" panose="020B0604020202020204" pitchFamily="34" charset="0"/>
-                <a:cs typeface="Arial" panose="020B0604020202020204" pitchFamily="34" charset="0"/>
-              </a:rPr>
-              <a:t>NDSI</a:t>
-            </a:r>
-            <a:r>
-              <a:rPr lang="en-GB" sz="1400" b="1" baseline="-25000" dirty="0" err="1">
-                <a:latin typeface="Arial" panose="020B0604020202020204" pitchFamily="34" charset="0"/>
-                <a:cs typeface="Arial" panose="020B0604020202020204" pitchFamily="34" charset="0"/>
-              </a:rPr>
-              <a:t>Bio</a:t>
-            </a:r>
-            <a:endParaRPr lang="en-GB" sz="1400" b="1" dirty="0">
-              <a:latin typeface="Arial" panose="020B0604020202020204" pitchFamily="34" charset="0"/>
-              <a:cs typeface="Arial" panose="020B0604020202020204" pitchFamily="34" charset="0"/>
-            </a:endParaRPr>
-          </a:p>
-        </p:txBody>
-      </p:sp>
-      <p:sp>
-        <p:nvSpPr>
-          <p:cNvPr id="48" name="TextBox 47">
+              <a:t>Spatial variability of NDSI</a:t>
+            </a:r>
+          </a:p>
+        </p:txBody>
+      </p:sp>
+      <p:sp>
+        <p:nvSpPr>
+          <p:cNvPr id="14" name="TextBox 13">
             <a:extLst>
               <a:ext uri="{FF2B5EF4-FFF2-40B4-BE49-F238E27FC236}">
-                <a16:creationId xmlns:a16="http://schemas.microsoft.com/office/drawing/2014/main" id="{2B3A44DB-4E6D-0F89-96C4-159B9F35489B}"/>
+                <a16:creationId xmlns:a16="http://schemas.microsoft.com/office/drawing/2014/main" id="{6AF4625E-4139-6A98-DB78-EFFBFAAF2930}"/>
               </a:ext>
             </a:extLst>
           </p:cNvPr>
@@ -3889,8 +3751,8 @@
         </p:nvSpPr>
         <p:spPr>
           <a:xfrm rot="16200000">
-            <a:off x="-1105365" y="1378823"/>
-            <a:ext cx="2602786" cy="307777"/>
+            <a:off x="-1049448" y="1335350"/>
+            <a:ext cx="2490952" cy="307777"/>
           </a:xfrm>
           <a:prstGeom prst="rect">
             <a:avLst/>
@@ -3911,35 +3773,17 @@
                 <a:latin typeface="Arial" panose="020B0604020202020204" pitchFamily="34" charset="0"/>
                 <a:cs typeface="Arial" panose="020B0604020202020204" pitchFamily="34" charset="0"/>
               </a:rPr>
-              <a:t>Spatial variability of </a:t>
-            </a:r>
-            <a:r>
-              <a:rPr lang="en-GB" sz="1400" b="1" dirty="0" err="1">
-                <a:latin typeface="Arial" panose="020B0604020202020204" pitchFamily="34" charset="0"/>
-                <a:cs typeface="Arial" panose="020B0604020202020204" pitchFamily="34" charset="0"/>
-              </a:rPr>
-              <a:t>NDSI</a:t>
-            </a:r>
-            <a:r>
-              <a:rPr lang="en-GB" sz="1400" b="1" baseline="-25000" dirty="0" err="1">
-                <a:latin typeface="Arial" panose="020B0604020202020204" pitchFamily="34" charset="0"/>
-                <a:cs typeface="Arial" panose="020B0604020202020204" pitchFamily="34" charset="0"/>
-              </a:rPr>
-              <a:t>Bio</a:t>
-            </a:r>
-            <a:endParaRPr lang="en-GB" sz="1400" b="1" baseline="-25000" dirty="0">
-              <a:latin typeface="Arial" panose="020B0604020202020204" pitchFamily="34" charset="0"/>
-              <a:cs typeface="Arial" panose="020B0604020202020204" pitchFamily="34" charset="0"/>
-            </a:endParaRPr>
-          </a:p>
-        </p:txBody>
-      </p:sp>
-      <p:sp>
-        <p:nvSpPr>
-          <p:cNvPr id="49" name="TextBox 48">
+              <a:t>Spatial variability of NDSI</a:t>
+            </a:r>
+          </a:p>
+        </p:txBody>
+      </p:sp>
+      <p:sp>
+        <p:nvSpPr>
+          <p:cNvPr id="15" name="TextBox 14">
             <a:extLst>
               <a:ext uri="{FF2B5EF4-FFF2-40B4-BE49-F238E27FC236}">
-                <a16:creationId xmlns:a16="http://schemas.microsoft.com/office/drawing/2014/main" id="{3FC8100C-1D92-FC1C-7607-5C1E9540A5CB}"/>
+                <a16:creationId xmlns:a16="http://schemas.microsoft.com/office/drawing/2014/main" id="{29EC9143-3D5D-08AF-884C-5188854719C1}"/>
               </a:ext>
             </a:extLst>
           </p:cNvPr>
@@ -3948,7 +3792,122 @@
         </p:nvSpPr>
         <p:spPr>
           <a:xfrm>
-            <a:off x="9564416" y="2677253"/>
+            <a:off x="9761082" y="5730166"/>
+            <a:ext cx="620683" cy="276999"/>
+          </a:xfrm>
+          <a:prstGeom prst="rect">
+            <a:avLst/>
+          </a:prstGeom>
+          <a:noFill/>
+        </p:spPr>
+        <p:txBody>
+          <a:bodyPr wrap="none" rtlCol="0">
+            <a:spAutoFit/>
+          </a:bodyPr>
+          <a:lstStyle/>
+          <a:p>
+            <a:r>
+              <a:rPr lang="en-GB" sz="1200" dirty="0">
+                <a:latin typeface="Arial" panose="020B0604020202020204" pitchFamily="34" charset="0"/>
+                <a:cs typeface="Arial" panose="020B0604020202020204" pitchFamily="34" charset="0"/>
+              </a:rPr>
+              <a:t>Forest</a:t>
+            </a:r>
+          </a:p>
+        </p:txBody>
+      </p:sp>
+      <p:sp>
+        <p:nvSpPr>
+          <p:cNvPr id="16" name="TextBox 15">
+            <a:extLst>
+              <a:ext uri="{FF2B5EF4-FFF2-40B4-BE49-F238E27FC236}">
+                <a16:creationId xmlns:a16="http://schemas.microsoft.com/office/drawing/2014/main" id="{FDB2D379-A9AA-395A-EE6A-733A7226A5F7}"/>
+              </a:ext>
+            </a:extLst>
+          </p:cNvPr>
+          <p:cNvSpPr txBox="1"/>
+          <p:nvPr/>
+        </p:nvSpPr>
+        <p:spPr>
+          <a:xfrm>
+            <a:off x="10829066" y="5730166"/>
+            <a:ext cx="915635" cy="276999"/>
+          </a:xfrm>
+          <a:prstGeom prst="rect">
+            <a:avLst/>
+          </a:prstGeom>
+          <a:noFill/>
+        </p:spPr>
+        <p:txBody>
+          <a:bodyPr wrap="none" rtlCol="0">
+            <a:spAutoFit/>
+          </a:bodyPr>
+          <a:lstStyle/>
+          <a:p>
+            <a:r>
+              <a:rPr lang="en-GB" sz="1200" dirty="0">
+                <a:latin typeface="Arial" panose="020B0604020202020204" pitchFamily="34" charset="0"/>
+                <a:cs typeface="Arial" panose="020B0604020202020204" pitchFamily="34" charset="0"/>
+              </a:rPr>
+              <a:t>Developed</a:t>
+            </a:r>
+          </a:p>
+        </p:txBody>
+      </p:sp>
+      <p:sp>
+        <p:nvSpPr>
+          <p:cNvPr id="17" name="TextBox 16">
+            <a:extLst>
+              <a:ext uri="{FF2B5EF4-FFF2-40B4-BE49-F238E27FC236}">
+                <a16:creationId xmlns:a16="http://schemas.microsoft.com/office/drawing/2014/main" id="{586BC236-546D-8B58-6029-4FCB8B06C6F5}"/>
+              </a:ext>
+            </a:extLst>
+          </p:cNvPr>
+          <p:cNvSpPr txBox="1"/>
+          <p:nvPr/>
+        </p:nvSpPr>
+        <p:spPr>
+          <a:xfrm>
+            <a:off x="9312168" y="6050471"/>
+            <a:ext cx="2722179" cy="307777"/>
+          </a:xfrm>
+          <a:prstGeom prst="rect">
+            <a:avLst/>
+          </a:prstGeom>
+          <a:noFill/>
+        </p:spPr>
+        <p:txBody>
+          <a:bodyPr wrap="square" rtlCol="0">
+            <a:spAutoFit/>
+          </a:bodyPr>
+          <a:lstStyle/>
+          <a:p>
+            <a:pPr algn="ctr"/>
+            <a:r>
+              <a:rPr lang="en-GB" sz="1400" b="1" dirty="0">
+                <a:latin typeface="Arial" panose="020B0604020202020204" pitchFamily="34" charset="0"/>
+                <a:cs typeface="Arial" panose="020B0604020202020204" pitchFamily="34" charset="0"/>
+              </a:rPr>
+              <a:t>Land use </a:t>
+            </a:r>
+          </a:p>
+        </p:txBody>
+      </p:sp>
+      <p:sp>
+        <p:nvSpPr>
+          <p:cNvPr id="18" name="TextBox 17">
+            <a:extLst>
+              <a:ext uri="{FF2B5EF4-FFF2-40B4-BE49-F238E27FC236}">
+                <a16:creationId xmlns:a16="http://schemas.microsoft.com/office/drawing/2014/main" id="{43FBD685-766C-623C-046F-CCB65B1CAFFF}"/>
+              </a:ext>
+            </a:extLst>
+          </p:cNvPr>
+          <p:cNvSpPr txBox="1"/>
+          <p:nvPr/>
+        </p:nvSpPr>
+        <p:spPr>
+          <a:xfrm>
+            <a:off x="9564416" y="2637497"/>
             <a:ext cx="1019503" cy="276999"/>
           </a:xfrm>
           <a:prstGeom prst="rect">
@@ -3975,10 +3934,10 @@
       </p:sp>
       <p:sp>
         <p:nvSpPr>
-          <p:cNvPr id="50" name="TextBox 49">
+          <p:cNvPr id="19" name="TextBox 18">
             <a:extLst>
               <a:ext uri="{FF2B5EF4-FFF2-40B4-BE49-F238E27FC236}">
-                <a16:creationId xmlns:a16="http://schemas.microsoft.com/office/drawing/2014/main" id="{57F0AB03-D02A-ABAE-2E8B-276DA475D720}"/>
+                <a16:creationId xmlns:a16="http://schemas.microsoft.com/office/drawing/2014/main" id="{9982393E-B0D7-9493-59EE-D33E887A4B6A}"/>
               </a:ext>
             </a:extLst>
           </p:cNvPr>
@@ -3987,7 +3946,7 @@
         </p:nvSpPr>
         <p:spPr>
           <a:xfrm>
-            <a:off x="10755494" y="2677253"/>
+            <a:off x="10755494" y="2637497"/>
             <a:ext cx="1088760" cy="276999"/>
           </a:xfrm>
           <a:prstGeom prst="rect">
@@ -4014,10 +3973,10 @@
       </p:sp>
       <p:sp>
         <p:nvSpPr>
-          <p:cNvPr id="51" name="TextBox 50">
+          <p:cNvPr id="20" name="TextBox 19">
             <a:extLst>
               <a:ext uri="{FF2B5EF4-FFF2-40B4-BE49-F238E27FC236}">
-                <a16:creationId xmlns:a16="http://schemas.microsoft.com/office/drawing/2014/main" id="{50938F98-A476-D306-18A0-5B9857670316}"/>
+                <a16:creationId xmlns:a16="http://schemas.microsoft.com/office/drawing/2014/main" id="{F988CB6E-82A9-C860-2884-7D4987E95744}"/>
               </a:ext>
             </a:extLst>
           </p:cNvPr>
@@ -4026,7 +3985,7 @@
         </p:nvSpPr>
         <p:spPr>
           <a:xfrm>
-            <a:off x="9312168" y="2938438"/>
+            <a:off x="9312168" y="2898682"/>
             <a:ext cx="2722179" cy="307777"/>
           </a:xfrm>
           <a:prstGeom prst="rect">
@@ -4053,10 +4012,10 @@
       </p:sp>
       <p:sp>
         <p:nvSpPr>
-          <p:cNvPr id="52" name="TextBox 51">
+          <p:cNvPr id="21" name="TextBox 20">
             <a:extLst>
               <a:ext uri="{FF2B5EF4-FFF2-40B4-BE49-F238E27FC236}">
-                <a16:creationId xmlns:a16="http://schemas.microsoft.com/office/drawing/2014/main" id="{4A97F3FE-C535-3B78-AD02-C227E232A612}"/>
+                <a16:creationId xmlns:a16="http://schemas.microsoft.com/office/drawing/2014/main" id="{EAF5A2AD-5D87-49BA-EEC1-43B9EB0EE9B0}"/>
               </a:ext>
             </a:extLst>
           </p:cNvPr>
@@ -4065,7 +4024,7 @@
         </p:nvSpPr>
         <p:spPr>
           <a:xfrm rot="19357041">
-            <a:off x="637409" y="2782022"/>
+            <a:off x="597653" y="2742266"/>
             <a:ext cx="670376" cy="276999"/>
           </a:xfrm>
           <a:prstGeom prst="rect">
@@ -4091,10 +4050,10 @@
       </p:sp>
       <p:sp>
         <p:nvSpPr>
-          <p:cNvPr id="53" name="TextBox 52">
+          <p:cNvPr id="22" name="TextBox 21">
             <a:extLst>
               <a:ext uri="{FF2B5EF4-FFF2-40B4-BE49-F238E27FC236}">
-                <a16:creationId xmlns:a16="http://schemas.microsoft.com/office/drawing/2014/main" id="{0EF2682B-94FC-A175-CAF2-0EB542F6C5E3}"/>
+                <a16:creationId xmlns:a16="http://schemas.microsoft.com/office/drawing/2014/main" id="{6DFADEA5-DCA8-FBFF-3A74-7B99024049B4}"/>
               </a:ext>
             </a:extLst>
           </p:cNvPr>
@@ -4103,7 +4062,7 @@
         </p:nvSpPr>
         <p:spPr>
           <a:xfrm rot="19357041">
-            <a:off x="2220360" y="2782023"/>
+            <a:off x="2200482" y="2742267"/>
             <a:ext cx="670376" cy="276999"/>
           </a:xfrm>
           <a:prstGeom prst="rect">
@@ -4129,10 +4088,10 @@
       </p:sp>
       <p:sp>
         <p:nvSpPr>
-          <p:cNvPr id="54" name="TextBox 53">
+          <p:cNvPr id="23" name="TextBox 22">
             <a:extLst>
               <a:ext uri="{FF2B5EF4-FFF2-40B4-BE49-F238E27FC236}">
-                <a16:creationId xmlns:a16="http://schemas.microsoft.com/office/drawing/2014/main" id="{7A6FC9FD-55F4-CDCB-E3F6-DFE8790C44A1}"/>
+                <a16:creationId xmlns:a16="http://schemas.microsoft.com/office/drawing/2014/main" id="{53C0C0E7-48C5-19BB-DE66-14F0D56C578D}"/>
               </a:ext>
             </a:extLst>
           </p:cNvPr>
@@ -4141,7 +4100,7 @@
         </p:nvSpPr>
         <p:spPr>
           <a:xfrm rot="19357041">
-            <a:off x="4080956" y="2772289"/>
+            <a:off x="4061078" y="2732533"/>
             <a:ext cx="638316" cy="276999"/>
           </a:xfrm>
           <a:prstGeom prst="rect">
@@ -4167,10 +4126,10 @@
       </p:sp>
       <p:sp>
         <p:nvSpPr>
-          <p:cNvPr id="55" name="TextBox 54">
+          <p:cNvPr id="24" name="TextBox 23">
             <a:extLst>
               <a:ext uri="{FF2B5EF4-FFF2-40B4-BE49-F238E27FC236}">
-                <a16:creationId xmlns:a16="http://schemas.microsoft.com/office/drawing/2014/main" id="{5FA17ECB-6AE1-0C33-7EF1-CE23590A3BC0}"/>
+                <a16:creationId xmlns:a16="http://schemas.microsoft.com/office/drawing/2014/main" id="{28C4767C-1580-63E4-2352-4C54F65992DA}"/>
               </a:ext>
             </a:extLst>
           </p:cNvPr>
@@ -4179,7 +4138,7 @@
         </p:nvSpPr>
         <p:spPr>
           <a:xfrm rot="19357041">
-            <a:off x="5674416" y="2772289"/>
+            <a:off x="5674416" y="2732533"/>
             <a:ext cx="638316" cy="276999"/>
           </a:xfrm>
           <a:prstGeom prst="rect">
@@ -4205,10 +4164,10 @@
       </p:sp>
       <p:sp>
         <p:nvSpPr>
-          <p:cNvPr id="56" name="TextBox 55">
+          <p:cNvPr id="25" name="TextBox 24">
             <a:extLst>
               <a:ext uri="{FF2B5EF4-FFF2-40B4-BE49-F238E27FC236}">
-                <a16:creationId xmlns:a16="http://schemas.microsoft.com/office/drawing/2014/main" id="{04DB1CAD-A5E4-F7FB-F091-DDCA891145DB}"/>
+                <a16:creationId xmlns:a16="http://schemas.microsoft.com/office/drawing/2014/main" id="{EDD7A371-A95A-762F-4C34-9F06B747EEC0}"/>
               </a:ext>
             </a:extLst>
           </p:cNvPr>
@@ -4217,7 +4176,7 @@
         </p:nvSpPr>
         <p:spPr>
           <a:xfrm rot="19357041">
-            <a:off x="7639586" y="2782023"/>
+            <a:off x="7639586" y="2742267"/>
             <a:ext cx="670376" cy="276999"/>
           </a:xfrm>
           <a:prstGeom prst="rect">
@@ -4243,10 +4202,10 @@
       </p:sp>
       <p:sp>
         <p:nvSpPr>
-          <p:cNvPr id="57" name="TextBox 56">
+          <p:cNvPr id="26" name="TextBox 25">
             <a:extLst>
               <a:ext uri="{FF2B5EF4-FFF2-40B4-BE49-F238E27FC236}">
-                <a16:creationId xmlns:a16="http://schemas.microsoft.com/office/drawing/2014/main" id="{6128BDAD-E5AF-687C-FF1D-0F50D3376D7D}"/>
+                <a16:creationId xmlns:a16="http://schemas.microsoft.com/office/drawing/2014/main" id="{60FD3FE7-F08C-9F49-0957-A7409E5C021F}"/>
               </a:ext>
             </a:extLst>
           </p:cNvPr>
@@ -4255,7 +4214,7 @@
         </p:nvSpPr>
         <p:spPr>
           <a:xfrm>
-            <a:off x="972597" y="4397546"/>
+            <a:off x="1067387" y="4070351"/>
             <a:ext cx="654346" cy="276999"/>
           </a:xfrm>
           <a:prstGeom prst="rect">
@@ -4281,10 +4240,10 @@
       </p:sp>
       <p:sp>
         <p:nvSpPr>
-          <p:cNvPr id="58" name="TextBox 57">
+          <p:cNvPr id="27" name="TextBox 26">
             <a:extLst>
               <a:ext uri="{FF2B5EF4-FFF2-40B4-BE49-F238E27FC236}">
-                <a16:creationId xmlns:a16="http://schemas.microsoft.com/office/drawing/2014/main" id="{71E7D133-0AE4-24AF-9DE2-D9E0613724B7}"/>
+                <a16:creationId xmlns:a16="http://schemas.microsoft.com/office/drawing/2014/main" id="{B05C7AC1-B71C-0F22-6088-F6475EA39DC5}"/>
               </a:ext>
             </a:extLst>
           </p:cNvPr>
@@ -4293,7 +4252,7 @@
         </p:nvSpPr>
         <p:spPr>
           <a:xfrm>
-            <a:off x="972597" y="4961014"/>
+            <a:off x="1067387" y="5215578"/>
             <a:ext cx="962123" cy="276999"/>
           </a:xfrm>
           <a:prstGeom prst="rect">
@@ -4319,10 +4278,10 @@
       </p:sp>
       <p:sp>
         <p:nvSpPr>
-          <p:cNvPr id="59" name="TextBox 58">
+          <p:cNvPr id="28" name="TextBox 27">
             <a:extLst>
               <a:ext uri="{FF2B5EF4-FFF2-40B4-BE49-F238E27FC236}">
-                <a16:creationId xmlns:a16="http://schemas.microsoft.com/office/drawing/2014/main" id="{88BE4ECE-2986-BC64-2E66-03E05EB16857}"/>
+                <a16:creationId xmlns:a16="http://schemas.microsoft.com/office/drawing/2014/main" id="{008BD4EE-C749-6853-01AD-973DF5F3CC74}"/>
               </a:ext>
             </a:extLst>
           </p:cNvPr>
@@ -4331,7 +4290,7 @@
         </p:nvSpPr>
         <p:spPr>
           <a:xfrm>
-            <a:off x="754460" y="231319"/>
+            <a:off x="714704" y="201502"/>
             <a:ext cx="436338" cy="338554"/>
           </a:xfrm>
           <a:prstGeom prst="rect">
@@ -4357,10 +4316,10 @@
       </p:sp>
       <p:sp>
         <p:nvSpPr>
-          <p:cNvPr id="60" name="TextBox 59">
+          <p:cNvPr id="29" name="TextBox 28">
             <a:extLst>
               <a:ext uri="{FF2B5EF4-FFF2-40B4-BE49-F238E27FC236}">
-                <a16:creationId xmlns:a16="http://schemas.microsoft.com/office/drawing/2014/main" id="{D9FE8818-1EEB-E433-C001-5F137B8D5E9B}"/>
+                <a16:creationId xmlns:a16="http://schemas.microsoft.com/office/drawing/2014/main" id="{29D3A6E0-654E-1D6C-65AF-82E0D688B6F6}"/>
               </a:ext>
             </a:extLst>
           </p:cNvPr>
@@ -4369,7 +4328,7 @@
         </p:nvSpPr>
         <p:spPr>
           <a:xfrm>
-            <a:off x="754460" y="3288919"/>
+            <a:off x="714704" y="3259102"/>
             <a:ext cx="436338" cy="338554"/>
           </a:xfrm>
           <a:prstGeom prst="rect">
@@ -4395,10 +4354,10 @@
       </p:sp>
       <p:sp>
         <p:nvSpPr>
-          <p:cNvPr id="61" name="TextBox 60">
+          <p:cNvPr id="30" name="TextBox 29">
             <a:extLst>
               <a:ext uri="{FF2B5EF4-FFF2-40B4-BE49-F238E27FC236}">
-                <a16:creationId xmlns:a16="http://schemas.microsoft.com/office/drawing/2014/main" id="{E51F2CE0-0770-8F13-689B-2AE1E9DE14EB}"/>
+                <a16:creationId xmlns:a16="http://schemas.microsoft.com/office/drawing/2014/main" id="{25959602-E34C-AAF9-D984-F367C4BB1184}"/>
               </a:ext>
             </a:extLst>
           </p:cNvPr>
@@ -4407,7 +4366,7 @@
         </p:nvSpPr>
         <p:spPr>
           <a:xfrm>
-            <a:off x="9927393" y="1647512"/>
+            <a:off x="9937332" y="1498427"/>
             <a:ext cx="298480" cy="338554"/>
           </a:xfrm>
           <a:prstGeom prst="rect">
@@ -4433,10 +4392,10 @@
       </p:sp>
       <p:sp>
         <p:nvSpPr>
-          <p:cNvPr id="62" name="TextBox 61">
+          <p:cNvPr id="31" name="TextBox 30">
             <a:extLst>
               <a:ext uri="{FF2B5EF4-FFF2-40B4-BE49-F238E27FC236}">
-                <a16:creationId xmlns:a16="http://schemas.microsoft.com/office/drawing/2014/main" id="{D482654D-2EE2-33E5-A7C3-2F7955EC9B62}"/>
+                <a16:creationId xmlns:a16="http://schemas.microsoft.com/office/drawing/2014/main" id="{E6370053-AE09-10EF-9295-812B864A91DF}"/>
               </a:ext>
             </a:extLst>
           </p:cNvPr>
@@ -4445,7 +4404,7 @@
         </p:nvSpPr>
         <p:spPr>
           <a:xfrm>
-            <a:off x="11140695" y="138875"/>
+            <a:off x="11150634" y="168692"/>
             <a:ext cx="298480" cy="338554"/>
           </a:xfrm>
           <a:prstGeom prst="rect">
@@ -4471,10 +4430,10 @@
       </p:sp>
       <p:sp>
         <p:nvSpPr>
-          <p:cNvPr id="63" name="TextBox 62">
+          <p:cNvPr id="32" name="TextBox 31">
             <a:extLst>
               <a:ext uri="{FF2B5EF4-FFF2-40B4-BE49-F238E27FC236}">
-                <a16:creationId xmlns:a16="http://schemas.microsoft.com/office/drawing/2014/main" id="{4638F1F6-6B78-9C2F-0775-2FDA81E67D4C}"/>
+                <a16:creationId xmlns:a16="http://schemas.microsoft.com/office/drawing/2014/main" id="{D9A8663B-4634-72DD-1FB0-FE3DAE298A94}"/>
               </a:ext>
             </a:extLst>
           </p:cNvPr>
@@ -4483,7 +4442,7 @@
         </p:nvSpPr>
         <p:spPr>
           <a:xfrm>
-            <a:off x="9716697" y="4141402"/>
+            <a:off x="9726523" y="3911582"/>
             <a:ext cx="298480" cy="338554"/>
           </a:xfrm>
           <a:prstGeom prst="rect">
@@ -4509,10 +4468,10 @@
       </p:sp>
       <p:sp>
         <p:nvSpPr>
-          <p:cNvPr id="64" name="TextBox 63">
+          <p:cNvPr id="33" name="TextBox 32">
             <a:extLst>
               <a:ext uri="{FF2B5EF4-FFF2-40B4-BE49-F238E27FC236}">
-                <a16:creationId xmlns:a16="http://schemas.microsoft.com/office/drawing/2014/main" id="{49000154-3B93-5490-42FC-63F54555746B}"/>
+                <a16:creationId xmlns:a16="http://schemas.microsoft.com/office/drawing/2014/main" id="{47737F4E-C756-C1F1-24F2-CD59E725CA48}"/>
               </a:ext>
             </a:extLst>
           </p:cNvPr>
@@ -4521,7 +4480,7 @@
         </p:nvSpPr>
         <p:spPr>
           <a:xfrm>
-            <a:off x="10076232" y="3179308"/>
+            <a:off x="10083283" y="3175140"/>
             <a:ext cx="298480" cy="338554"/>
           </a:xfrm>
           <a:prstGeom prst="rect">
@@ -4547,10 +4506,10 @@
       </p:sp>
       <p:sp>
         <p:nvSpPr>
-          <p:cNvPr id="65" name="TextBox 64">
+          <p:cNvPr id="34" name="TextBox 33">
             <a:extLst>
               <a:ext uri="{FF2B5EF4-FFF2-40B4-BE49-F238E27FC236}">
-                <a16:creationId xmlns:a16="http://schemas.microsoft.com/office/drawing/2014/main" id="{4BFD3BD8-5DAC-E194-047A-686C7CEE7265}"/>
+                <a16:creationId xmlns:a16="http://schemas.microsoft.com/office/drawing/2014/main" id="{649A1BBE-13EC-8A7A-EF46-06D9F157C5C2}"/>
               </a:ext>
             </a:extLst>
           </p:cNvPr>
@@ -4559,7 +4518,7 @@
         </p:nvSpPr>
         <p:spPr>
           <a:xfrm>
-            <a:off x="10920923" y="4684484"/>
+            <a:off x="10933335" y="4489834"/>
             <a:ext cx="298480" cy="338554"/>
           </a:xfrm>
           <a:prstGeom prst="rect">
@@ -4585,10 +4544,10 @@
       </p:sp>
       <p:sp>
         <p:nvSpPr>
-          <p:cNvPr id="66" name="TextBox 65">
+          <p:cNvPr id="35" name="TextBox 34">
             <a:extLst>
               <a:ext uri="{FF2B5EF4-FFF2-40B4-BE49-F238E27FC236}">
-                <a16:creationId xmlns:a16="http://schemas.microsoft.com/office/drawing/2014/main" id="{CC58D290-9045-399F-1184-0C71D6753F9E}"/>
+                <a16:creationId xmlns:a16="http://schemas.microsoft.com/office/drawing/2014/main" id="{AB438236-282F-86B5-B17D-1D1E1978DF3E}"/>
               </a:ext>
             </a:extLst>
           </p:cNvPr>
@@ -4597,8 +4556,8 @@
         </p:nvSpPr>
         <p:spPr>
           <a:xfrm>
-            <a:off x="11290397" y="3851597"/>
-            <a:ext cx="514885" cy="338554"/>
+            <a:off x="11367580" y="4134255"/>
+            <a:ext cx="401072" cy="338554"/>
           </a:xfrm>
           <a:prstGeom prst="rect">
             <a:avLst/>
@@ -4612,23 +4571,19 @@
           <a:lstStyle/>
           <a:p>
             <a:r>
-              <a:rPr lang="en-GB" sz="1600" dirty="0" err="1">
+              <a:rPr lang="en-GB" sz="1600" dirty="0">
                 <a:latin typeface="Arial" panose="020B0604020202020204" pitchFamily="34" charset="0"/>
                 <a:cs typeface="Arial" panose="020B0604020202020204" pitchFamily="34" charset="0"/>
               </a:rPr>
-              <a:t>abc</a:t>
-            </a:r>
-            <a:endParaRPr lang="en-GB" sz="1600" dirty="0">
-              <a:latin typeface="Arial" panose="020B0604020202020204" pitchFamily="34" charset="0"/>
-              <a:cs typeface="Arial" panose="020B0604020202020204" pitchFamily="34" charset="0"/>
-            </a:endParaRPr>
+              <a:t>ac</a:t>
+            </a:r>
           </a:p>
         </p:txBody>
       </p:sp>
     </p:spTree>
     <p:extLst>
       <p:ext uri="{BB962C8B-B14F-4D97-AF65-F5344CB8AC3E}">
-        <p14:creationId xmlns:p14="http://schemas.microsoft.com/office/powerpoint/2010/main" val="695277341"/>
+        <p14:creationId xmlns:p14="http://schemas.microsoft.com/office/powerpoint/2010/main" val="1887293638"/>
       </p:ext>
     </p:extLst>
   </p:cSld>
